--- a/slides/Session 03 - Introducing Python/Session 03 - Introducing Python.pptx
+++ b/slides/Session 03 - Introducing Python/Session 03 - Introducing Python.pptx
@@ -317,7 +317,7 @@
           <a:p>
             <a:fld id="{A241AC98-512A-4A35-865E-757B6C1F07A2}" type="datetimeFigureOut">
               <a:rPr lang="en-US" smtClean="0"/>
-              <a:t>6/8/2023</a:t>
+              <a:t>6/13/2023</a:t>
             </a:fld>
             <a:endParaRPr lang="en-US"/>
           </a:p>
@@ -483,7 +483,7 @@
           <a:p>
             <a:fld id="{3854CEE7-15DE-41D9-8CA2-D1E137B1D850}" type="datetimeFigureOut">
               <a:rPr lang="en-US" smtClean="0"/>
-              <a:t>6/8/2023</a:t>
+              <a:t>6/13/2023</a:t>
             </a:fld>
             <a:endParaRPr lang="en-US"/>
           </a:p>
@@ -1554,7 +1554,7 @@
           <a:p>
             <a:fld id="{5555EB2C-244D-4423-AD97-018ED6478B87}" type="datetime1">
               <a:rPr lang="en-US" smtClean="0"/>
-              <a:t>6/8/2023</a:t>
+              <a:t>6/13/2023</a:t>
             </a:fld>
             <a:endParaRPr lang="en-US"/>
           </a:p>
@@ -1733,7 +1733,7 @@
           <a:p>
             <a:fld id="{A2B41D1F-7576-4C60-B4EB-5115BC56CF40}" type="datetime1">
               <a:rPr lang="en-US" smtClean="0"/>
-              <a:t>6/8/2023</a:t>
+              <a:t>6/13/2023</a:t>
             </a:fld>
             <a:endParaRPr lang="en-US"/>
           </a:p>
@@ -1925,7 +1925,7 @@
           <a:p>
             <a:fld id="{E79D1398-4D56-44F9-BA35-34ACF3159A64}" type="datetime1">
               <a:rPr lang="en-US" smtClean="0"/>
-              <a:t>6/8/2023</a:t>
+              <a:t>6/13/2023</a:t>
             </a:fld>
             <a:endParaRPr lang="en-US"/>
           </a:p>
@@ -2107,7 +2107,7 @@
           <a:p>
             <a:fld id="{A3CF632E-48CB-4EEB-A6B6-DEC7AD7CC976}" type="datetime1">
               <a:rPr lang="en-US" smtClean="0"/>
-              <a:t>6/8/2023</a:t>
+              <a:t>6/13/2023</a:t>
             </a:fld>
             <a:endParaRPr lang="en-US"/>
           </a:p>
@@ -2360,7 +2360,7 @@
           <a:p>
             <a:fld id="{BAEEE52C-3A57-458E-95F6-96B2FA9D1DD4}" type="datetime1">
               <a:rPr lang="en-US" smtClean="0"/>
-              <a:t>6/8/2023</a:t>
+              <a:t>6/13/2023</a:t>
             </a:fld>
             <a:endParaRPr lang="en-US"/>
           </a:p>
@@ -2604,7 +2604,7 @@
           <a:p>
             <a:fld id="{766FC747-A48A-4FF2-8EE4-3E95ECD1C2A8}" type="datetime1">
               <a:rPr lang="en-US" smtClean="0"/>
-              <a:t>6/8/2023</a:t>
+              <a:t>6/13/2023</a:t>
             </a:fld>
             <a:endParaRPr lang="en-US"/>
           </a:p>
@@ -2983,7 +2983,7 @@
           <a:p>
             <a:fld id="{C9BF5758-AB7F-463D-B638-E1729B95E126}" type="datetime1">
               <a:rPr lang="en-US" smtClean="0"/>
-              <a:t>6/8/2023</a:t>
+              <a:t>6/13/2023</a:t>
             </a:fld>
             <a:endParaRPr lang="en-US"/>
           </a:p>
@@ -3113,7 +3113,7 @@
           <a:p>
             <a:fld id="{F3718C77-7DD0-4738-BF52-D0EC9F78A76E}" type="datetime1">
               <a:rPr lang="en-US" smtClean="0"/>
-              <a:t>6/8/2023</a:t>
+              <a:t>6/13/2023</a:t>
             </a:fld>
             <a:endParaRPr lang="en-US"/>
           </a:p>
@@ -3220,7 +3220,7 @@
           <a:p>
             <a:fld id="{948970CF-13D9-4E1D-A74F-2CFE4953FCDB}" type="datetime1">
               <a:rPr lang="en-US" smtClean="0"/>
-              <a:t>6/8/2023</a:t>
+              <a:t>6/13/2023</a:t>
             </a:fld>
             <a:endParaRPr lang="en-US"/>
           </a:p>
@@ -3509,7 +3509,7 @@
           <a:p>
             <a:fld id="{F68C49B9-4E1C-4967-B9CF-0BF9FECBE837}" type="datetime1">
               <a:rPr lang="en-US" smtClean="0"/>
-              <a:t>6/8/2023</a:t>
+              <a:t>6/13/2023</a:t>
             </a:fld>
             <a:endParaRPr lang="en-US"/>
           </a:p>
@@ -3777,7 +3777,7 @@
           <a:p>
             <a:fld id="{7E338CBB-1F06-4333-9BBF-66628B15E581}" type="datetime1">
               <a:rPr lang="en-US" smtClean="0"/>
-              <a:t>6/8/2023</a:t>
+              <a:t>6/13/2023</a:t>
             </a:fld>
             <a:endParaRPr lang="en-US"/>
           </a:p>
@@ -4002,7 +4002,7 @@
           <a:p>
             <a:fld id="{705EC883-F03C-4CA3-AF62-BEF30EEA4F65}" type="datetime1">
               <a:rPr lang="en-US" smtClean="0"/>
-              <a:t>6/8/2023</a:t>
+              <a:t>6/13/2023</a:t>
             </a:fld>
             <a:endParaRPr lang="en-US"/>
           </a:p>
@@ -40008,7 +40008,13 @@
                           <a:rPr lang="en-US" sz="2000" i="1" dirty="0">
                             <a:latin typeface="Cambria Math" panose="02040503050406030204" pitchFamily="18" charset="0"/>
                           </a:rPr>
-                          <m:t>106</m:t>
+                          <m:t>10</m:t>
+                        </m:r>
+                        <m:r>
+                          <a:rPr lang="en-US" sz="2000" b="0" i="1" dirty="0" smtClean="0">
+                            <a:latin typeface="Cambria Math" panose="02040503050406030204" pitchFamily="18" charset="0"/>
+                          </a:rPr>
+                          <m:t>4</m:t>
                         </m:r>
                       </m:e>
                       <m:sup>
@@ -40267,232 +40273,6 @@
   <p:clrMapOvr>
     <a:masterClrMapping/>
   </p:clrMapOvr>
-  <p:timing>
-    <p:tnLst>
-      <p:par>
-        <p:cTn id="1" dur="indefinite" restart="never" nodeType="tmRoot">
-          <p:childTnLst>
-            <p:seq concurrent="1" nextAc="seek">
-              <p:cTn id="2" dur="indefinite" nodeType="mainSeq">
-                <p:childTnLst>
-                  <p:par>
-                    <p:cTn id="3" fill="hold">
-                      <p:stCondLst>
-                        <p:cond delay="indefinite"/>
-                      </p:stCondLst>
-                      <p:childTnLst>
-                        <p:par>
-                          <p:cTn id="4" fill="hold">
-                            <p:stCondLst>
-                              <p:cond delay="0"/>
-                            </p:stCondLst>
-                            <p:childTnLst>
-                              <p:par>
-                                <p:cTn id="5" presetID="1" presetClass="entr" presetSubtype="0" fill="hold" nodeType="clickEffect">
-                                  <p:stCondLst>
-                                    <p:cond delay="0"/>
-                                  </p:stCondLst>
-                                  <p:childTnLst>
-                                    <p:set>
-                                      <p:cBhvr>
-                                        <p:cTn id="6" dur="1" fill="hold">
-                                          <p:stCondLst>
-                                            <p:cond delay="0"/>
-                                          </p:stCondLst>
-                                        </p:cTn>
-                                        <p:tgtEl>
-                                          <p:spTgt spid="3">
-                                            <p:txEl>
-                                              <p:pRg st="1" end="1"/>
-                                            </p:txEl>
-                                          </p:spTgt>
-                                        </p:tgtEl>
-                                        <p:attrNameLst>
-                                          <p:attrName>style.visibility</p:attrName>
-                                        </p:attrNameLst>
-                                      </p:cBhvr>
-                                      <p:to>
-                                        <p:strVal val="visible"/>
-                                      </p:to>
-                                    </p:set>
-                                  </p:childTnLst>
-                                </p:cTn>
-                              </p:par>
-                            </p:childTnLst>
-                          </p:cTn>
-                        </p:par>
-                      </p:childTnLst>
-                    </p:cTn>
-                  </p:par>
-                  <p:par>
-                    <p:cTn id="7" fill="hold">
-                      <p:stCondLst>
-                        <p:cond delay="indefinite"/>
-                      </p:stCondLst>
-                      <p:childTnLst>
-                        <p:par>
-                          <p:cTn id="8" fill="hold">
-                            <p:stCondLst>
-                              <p:cond delay="0"/>
-                            </p:stCondLst>
-                            <p:childTnLst>
-                              <p:par>
-                                <p:cTn id="9" presetID="1" presetClass="entr" presetSubtype="0" fill="hold" nodeType="clickEffect">
-                                  <p:stCondLst>
-                                    <p:cond delay="0"/>
-                                  </p:stCondLst>
-                                  <p:childTnLst>
-                                    <p:set>
-                                      <p:cBhvr>
-                                        <p:cTn id="10" dur="1" fill="hold">
-                                          <p:stCondLst>
-                                            <p:cond delay="0"/>
-                                          </p:stCondLst>
-                                        </p:cTn>
-                                        <p:tgtEl>
-                                          <p:spTgt spid="3">
-                                            <p:txEl>
-                                              <p:pRg st="2" end="2"/>
-                                            </p:txEl>
-                                          </p:spTgt>
-                                        </p:tgtEl>
-                                        <p:attrNameLst>
-                                          <p:attrName>style.visibility</p:attrName>
-                                        </p:attrNameLst>
-                                      </p:cBhvr>
-                                      <p:to>
-                                        <p:strVal val="visible"/>
-                                      </p:to>
-                                    </p:set>
-                                  </p:childTnLst>
-                                </p:cTn>
-                              </p:par>
-                            </p:childTnLst>
-                          </p:cTn>
-                        </p:par>
-                      </p:childTnLst>
-                    </p:cTn>
-                  </p:par>
-                  <p:par>
-                    <p:cTn id="11" fill="hold">
-                      <p:stCondLst>
-                        <p:cond delay="indefinite"/>
-                      </p:stCondLst>
-                      <p:childTnLst>
-                        <p:par>
-                          <p:cTn id="12" fill="hold">
-                            <p:stCondLst>
-                              <p:cond delay="0"/>
-                            </p:stCondLst>
-                            <p:childTnLst>
-                              <p:par>
-                                <p:cTn id="13" presetID="1" presetClass="entr" presetSubtype="0" fill="hold" nodeType="clickEffect">
-                                  <p:stCondLst>
-                                    <p:cond delay="0"/>
-                                  </p:stCondLst>
-                                  <p:childTnLst>
-                                    <p:set>
-                                      <p:cBhvr>
-                                        <p:cTn id="14" dur="1" fill="hold">
-                                          <p:stCondLst>
-                                            <p:cond delay="0"/>
-                                          </p:stCondLst>
-                                        </p:cTn>
-                                        <p:tgtEl>
-                                          <p:spTgt spid="3">
-                                            <p:txEl>
-                                              <p:pRg st="3" end="3"/>
-                                            </p:txEl>
-                                          </p:spTgt>
-                                        </p:tgtEl>
-                                        <p:attrNameLst>
-                                          <p:attrName>style.visibility</p:attrName>
-                                        </p:attrNameLst>
-                                      </p:cBhvr>
-                                      <p:to>
-                                        <p:strVal val="visible"/>
-                                      </p:to>
-                                    </p:set>
-                                  </p:childTnLst>
-                                </p:cTn>
-                              </p:par>
-                            </p:childTnLst>
-                          </p:cTn>
-                        </p:par>
-                      </p:childTnLst>
-                    </p:cTn>
-                  </p:par>
-                  <p:par>
-                    <p:cTn id="15" fill="hold">
-                      <p:stCondLst>
-                        <p:cond delay="indefinite"/>
-                      </p:stCondLst>
-                      <p:childTnLst>
-                        <p:par>
-                          <p:cTn id="16" fill="hold">
-                            <p:stCondLst>
-                              <p:cond delay="0"/>
-                            </p:stCondLst>
-                            <p:childTnLst>
-                              <p:par>
-                                <p:cTn id="17" presetID="1" presetClass="entr" presetSubtype="0" fill="hold" nodeType="clickEffect">
-                                  <p:stCondLst>
-                                    <p:cond delay="0"/>
-                                  </p:stCondLst>
-                                  <p:childTnLst>
-                                    <p:set>
-                                      <p:cBhvr>
-                                        <p:cTn id="18" dur="1" fill="hold">
-                                          <p:stCondLst>
-                                            <p:cond delay="0"/>
-                                          </p:stCondLst>
-                                        </p:cTn>
-                                        <p:tgtEl>
-                                          <p:spTgt spid="3">
-                                            <p:txEl>
-                                              <p:pRg st="4" end="4"/>
-                                            </p:txEl>
-                                          </p:spTgt>
-                                        </p:tgtEl>
-                                        <p:attrNameLst>
-                                          <p:attrName>style.visibility</p:attrName>
-                                        </p:attrNameLst>
-                                      </p:cBhvr>
-                                      <p:to>
-                                        <p:strVal val="visible"/>
-                                      </p:to>
-                                    </p:set>
-                                  </p:childTnLst>
-                                </p:cTn>
-                              </p:par>
-                            </p:childTnLst>
-                          </p:cTn>
-                        </p:par>
-                      </p:childTnLst>
-                    </p:cTn>
-                  </p:par>
-                </p:childTnLst>
-              </p:cTn>
-              <p:prevCondLst>
-                <p:cond evt="onPrev" delay="0">
-                  <p:tgtEl>
-                    <p:sldTgt/>
-                  </p:tgtEl>
-                </p:cond>
-              </p:prevCondLst>
-              <p:nextCondLst>
-                <p:cond evt="onNext" delay="0">
-                  <p:tgtEl>
-                    <p:sldTgt/>
-                  </p:tgtEl>
-                </p:cond>
-              </p:nextCondLst>
-            </p:seq>
-          </p:childTnLst>
-        </p:cTn>
-      </p:par>
-    </p:tnLst>
-  </p:timing>
 </p:sld>
 </file>
 
